--- a/AI-ML-Course-Induction-and-General/WCSS.pptx
+++ b/AI-ML-Course-Induction-and-General/WCSS.pptx
@@ -288,6 +288,7 @@
           <a:p>
             <a:fld id="{A16CA804-E139-4E1B-95C1-D572495A589C}" type="datetimeFigureOut">
               <a:rPr lang="en-US" smtClean="0"/>
+              <a:pPr/>
               <a:t>5/31/2021</a:t>
             </a:fld>
             <a:endParaRPr lang="en-US"/>
@@ -330,6 +331,7 @@
           <a:p>
             <a:fld id="{ABDB688A-8824-465C-AEF4-9BFCB45F33BC}" type="slidenum">
               <a:rPr lang="en-US" smtClean="0"/>
+              <a:pPr/>
               <a:t>‹#›</a:t>
             </a:fld>
             <a:endParaRPr lang="en-US"/>
@@ -453,6 +455,7 @@
           <a:p>
             <a:fld id="{A16CA804-E139-4E1B-95C1-D572495A589C}" type="datetimeFigureOut">
               <a:rPr lang="en-US" smtClean="0"/>
+              <a:pPr/>
               <a:t>5/31/2021</a:t>
             </a:fld>
             <a:endParaRPr lang="en-US"/>
@@ -495,6 +498,7 @@
           <a:p>
             <a:fld id="{ABDB688A-8824-465C-AEF4-9BFCB45F33BC}" type="slidenum">
               <a:rPr lang="en-US" smtClean="0"/>
+              <a:pPr/>
               <a:t>‹#›</a:t>
             </a:fld>
             <a:endParaRPr lang="en-US"/>
@@ -628,6 +632,7 @@
           <a:p>
             <a:fld id="{A16CA804-E139-4E1B-95C1-D572495A589C}" type="datetimeFigureOut">
               <a:rPr lang="en-US" smtClean="0"/>
+              <a:pPr/>
               <a:t>5/31/2021</a:t>
             </a:fld>
             <a:endParaRPr lang="en-US"/>
@@ -670,6 +675,7 @@
           <a:p>
             <a:fld id="{ABDB688A-8824-465C-AEF4-9BFCB45F33BC}" type="slidenum">
               <a:rPr lang="en-US" smtClean="0"/>
+              <a:pPr/>
               <a:t>‹#›</a:t>
             </a:fld>
             <a:endParaRPr lang="en-US"/>
@@ -793,6 +799,7 @@
           <a:p>
             <a:fld id="{A16CA804-E139-4E1B-95C1-D572495A589C}" type="datetimeFigureOut">
               <a:rPr lang="en-US" smtClean="0"/>
+              <a:pPr/>
               <a:t>5/31/2021</a:t>
             </a:fld>
             <a:endParaRPr lang="en-US"/>
@@ -835,6 +842,7 @@
           <a:p>
             <a:fld id="{ABDB688A-8824-465C-AEF4-9BFCB45F33BC}" type="slidenum">
               <a:rPr lang="en-US" smtClean="0"/>
+              <a:pPr/>
               <a:t>‹#›</a:t>
             </a:fld>
             <a:endParaRPr lang="en-US"/>
@@ -1034,6 +1042,7 @@
           <a:p>
             <a:fld id="{A16CA804-E139-4E1B-95C1-D572495A589C}" type="datetimeFigureOut">
               <a:rPr lang="en-US" smtClean="0"/>
+              <a:pPr/>
               <a:t>5/31/2021</a:t>
             </a:fld>
             <a:endParaRPr lang="en-US"/>
@@ -1076,6 +1085,7 @@
           <a:p>
             <a:fld id="{ABDB688A-8824-465C-AEF4-9BFCB45F33BC}" type="slidenum">
               <a:rPr lang="en-US" smtClean="0"/>
+              <a:pPr/>
               <a:t>‹#›</a:t>
             </a:fld>
             <a:endParaRPr lang="en-US"/>
@@ -1317,6 +1327,7 @@
           <a:p>
             <a:fld id="{A16CA804-E139-4E1B-95C1-D572495A589C}" type="datetimeFigureOut">
               <a:rPr lang="en-US" smtClean="0"/>
+              <a:pPr/>
               <a:t>5/31/2021</a:t>
             </a:fld>
             <a:endParaRPr lang="en-US"/>
@@ -1359,6 +1370,7 @@
           <a:p>
             <a:fld id="{ABDB688A-8824-465C-AEF4-9BFCB45F33BC}" type="slidenum">
               <a:rPr lang="en-US" smtClean="0"/>
+              <a:pPr/>
               <a:t>‹#›</a:t>
             </a:fld>
             <a:endParaRPr lang="en-US"/>
@@ -1734,6 +1746,7 @@
           <a:p>
             <a:fld id="{A16CA804-E139-4E1B-95C1-D572495A589C}" type="datetimeFigureOut">
               <a:rPr lang="en-US" smtClean="0"/>
+              <a:pPr/>
               <a:t>5/31/2021</a:t>
             </a:fld>
             <a:endParaRPr lang="en-US"/>
@@ -1776,6 +1789,7 @@
           <a:p>
             <a:fld id="{ABDB688A-8824-465C-AEF4-9BFCB45F33BC}" type="slidenum">
               <a:rPr lang="en-US" smtClean="0"/>
+              <a:pPr/>
               <a:t>‹#›</a:t>
             </a:fld>
             <a:endParaRPr lang="en-US"/>
@@ -1847,6 +1861,7 @@
           <a:p>
             <a:fld id="{A16CA804-E139-4E1B-95C1-D572495A589C}" type="datetimeFigureOut">
               <a:rPr lang="en-US" smtClean="0"/>
+              <a:pPr/>
               <a:t>5/31/2021</a:t>
             </a:fld>
             <a:endParaRPr lang="en-US"/>
@@ -1889,6 +1904,7 @@
           <a:p>
             <a:fld id="{ABDB688A-8824-465C-AEF4-9BFCB45F33BC}" type="slidenum">
               <a:rPr lang="en-US" smtClean="0"/>
+              <a:pPr/>
               <a:t>‹#›</a:t>
             </a:fld>
             <a:endParaRPr lang="en-US"/>
@@ -1937,6 +1953,7 @@
           <a:p>
             <a:fld id="{A16CA804-E139-4E1B-95C1-D572495A589C}" type="datetimeFigureOut">
               <a:rPr lang="en-US" smtClean="0"/>
+              <a:pPr/>
               <a:t>5/31/2021</a:t>
             </a:fld>
             <a:endParaRPr lang="en-US"/>
@@ -1979,6 +1996,7 @@
           <a:p>
             <a:fld id="{ABDB688A-8824-465C-AEF4-9BFCB45F33BC}" type="slidenum">
               <a:rPr lang="en-US" smtClean="0"/>
+              <a:pPr/>
               <a:t>‹#›</a:t>
             </a:fld>
             <a:endParaRPr lang="en-US"/>
@@ -2209,6 +2227,7 @@
           <a:p>
             <a:fld id="{A16CA804-E139-4E1B-95C1-D572495A589C}" type="datetimeFigureOut">
               <a:rPr lang="en-US" smtClean="0"/>
+              <a:pPr/>
               <a:t>5/31/2021</a:t>
             </a:fld>
             <a:endParaRPr lang="en-US"/>
@@ -2251,6 +2270,7 @@
           <a:p>
             <a:fld id="{ABDB688A-8824-465C-AEF4-9BFCB45F33BC}" type="slidenum">
               <a:rPr lang="en-US" smtClean="0"/>
+              <a:pPr/>
               <a:t>‹#›</a:t>
             </a:fld>
             <a:endParaRPr lang="en-US"/>
@@ -2457,6 +2477,7 @@
           <a:p>
             <a:fld id="{A16CA804-E139-4E1B-95C1-D572495A589C}" type="datetimeFigureOut">
               <a:rPr lang="en-US" smtClean="0"/>
+              <a:pPr/>
               <a:t>5/31/2021</a:t>
             </a:fld>
             <a:endParaRPr lang="en-US"/>
@@ -2499,6 +2520,7 @@
           <a:p>
             <a:fld id="{ABDB688A-8824-465C-AEF4-9BFCB45F33BC}" type="slidenum">
               <a:rPr lang="en-US" smtClean="0"/>
+              <a:pPr/>
               <a:t>‹#›</a:t>
             </a:fld>
             <a:endParaRPr lang="en-US"/>
@@ -2665,6 +2687,7 @@
           <a:p>
             <a:fld id="{A16CA804-E139-4E1B-95C1-D572495A589C}" type="datetimeFigureOut">
               <a:rPr lang="en-US" smtClean="0"/>
+              <a:pPr/>
               <a:t>5/31/2021</a:t>
             </a:fld>
             <a:endParaRPr lang="en-US"/>
@@ -2743,6 +2766,7 @@
           <a:p>
             <a:fld id="{ABDB688A-8824-465C-AEF4-9BFCB45F33BC}" type="slidenum">
               <a:rPr lang="en-US" smtClean="0"/>
+              <a:pPr/>
               <a:t>‹#›</a:t>
             </a:fld>
             <a:endParaRPr lang="en-US"/>
